--- a/Documents/Sprint1Presentation.pptx
+++ b/Documents/Sprint1Presentation.pptx
@@ -5,19 +5,18 @@
     <p:sldMasterId id="2147483684" r:id="rId4"/>
   </p:sldMasterIdLst>
   <p:notesMasterIdLst>
-    <p:notesMasterId r:id="rId12"/>
+    <p:notesMasterId r:id="rId11"/>
   </p:notesMasterIdLst>
   <p:handoutMasterIdLst>
-    <p:handoutMasterId r:id="rId13"/>
+    <p:handoutMasterId r:id="rId12"/>
   </p:handoutMasterIdLst>
   <p:sldIdLst>
     <p:sldId id="256" r:id="rId5"/>
     <p:sldId id="257" r:id="rId6"/>
     <p:sldId id="258" r:id="rId7"/>
     <p:sldId id="259" r:id="rId8"/>
-    <p:sldId id="260" r:id="rId9"/>
-    <p:sldId id="263" r:id="rId10"/>
-    <p:sldId id="264" r:id="rId11"/>
+    <p:sldId id="266" r:id="rId9"/>
+    <p:sldId id="265" r:id="rId10"/>
   </p:sldIdLst>
   <p:sldSz cx="12192000" cy="6858000"/>
   <p:notesSz cx="6858000" cy="9144000"/>
@@ -5002,9 +5001,10 @@
           <a:lstStyle/>
           <a:p>
             <a:r>
-              <a:rPr lang="en-US" dirty="0"/>
-              <a:t>&lt;Name of your Invention&gt;</a:t>
-            </a:r>
+              <a:rPr lang="en-US" dirty="0" smtClean="0"/>
+              <a:t>Application Goal</a:t>
+            </a:r>
+            <a:endParaRPr lang="en-US" dirty="0"/>
           </a:p>
         </p:txBody>
       </p:sp>
@@ -5026,7 +5026,7 @@
           <a:blip r:embed="rId3">
             <a:extLst>
               <a:ext uri="{96DAC541-7B7A-43D3-8B79-37D633B846F1}">
-                <asvg:svgBlip xmlns:asvg="http://schemas.microsoft.com/office/drawing/2016/SVG/main" xmlns="" r:embed="rId4"/>
+                <asvg:svgBlip xmlns="" xmlns:asvg="http://schemas.microsoft.com/office/drawing/2016/SVG/main" r:embed="rId4"/>
               </a:ext>
             </a:extLst>
           </a:blip>
@@ -5065,37 +5065,55 @@
           <a:bodyPr/>
           <a:lstStyle/>
           <a:p>
-            <a:pPr lvl="0"/>
-            <a:r>
-              <a:rPr lang="en-US" dirty="0">
+            <a:r>
+              <a:rPr lang="en-US" dirty="0" smtClean="0"/>
+              <a:t>Our goal is to create </a:t>
+            </a:r>
+            <a:r>
+              <a:rPr lang="en-US" dirty="0"/>
+              <a:t>a physics </a:t>
+            </a:r>
+            <a:r>
+              <a:rPr lang="en-US" dirty="0" smtClean="0"/>
+              <a:t>calculator that will </a:t>
+            </a:r>
+            <a:r>
+              <a:rPr lang="en-US" dirty="0"/>
+              <a:t>allow users to enter known </a:t>
+            </a:r>
+            <a:r>
+              <a:rPr lang="en-US" dirty="0" smtClean="0"/>
+              <a:t>variables and </a:t>
+            </a:r>
+            <a:r>
+              <a:rPr lang="en-US" dirty="0"/>
+              <a:t>automatically solve all equations </a:t>
+            </a:r>
+            <a:r>
+              <a:rPr lang="en-US" dirty="0" smtClean="0"/>
+              <a:t>possible </a:t>
+            </a:r>
+            <a:r>
+              <a:rPr lang="en-US" dirty="0"/>
+              <a:t>with those known variables.</a:t>
+            </a:r>
+          </a:p>
+          <a:p>
+            <a:pPr lvl="1"/>
+            <a:r>
+              <a:rPr lang="en-US" dirty="0" smtClean="0">
                 <a:solidFill>
                   <a:srgbClr val="000000"/>
                 </a:solidFill>
                 <a:ea typeface="Tahoma" panose="020B0604030504040204" pitchFamily="34" charset="0"/>
                 <a:cs typeface="Tahoma" panose="020B0604030504040204" pitchFamily="34" charset="0"/>
               </a:rPr>
-              <a:t>Discuss the reason for creating this invention</a:t>
-            </a:r>
-          </a:p>
-          <a:p>
-            <a:pPr lvl="1"/>
-            <a:r>
-              <a:rPr lang="en-US" dirty="0">
-                <a:solidFill>
-                  <a:srgbClr val="000000"/>
-                </a:solidFill>
-                <a:ea typeface="Tahoma" panose="020B0604030504040204" pitchFamily="34" charset="0"/>
-                <a:cs typeface="Tahoma" panose="020B0604030504040204" pitchFamily="34" charset="0"/>
-              </a:rPr>
-              <a:t>How did you identify this problem or need</a:t>
-            </a:r>
-            <a:r>
-              <a:rPr lang="en-US" dirty="0">
-                <a:ea typeface="Tahoma" panose="020B0604030504040204" pitchFamily="34" charset="0"/>
-                <a:cs typeface="Tahoma" panose="020B0604030504040204" pitchFamily="34" charset="0"/>
-              </a:rPr>
-              <a:t>?</a:t>
-            </a:r>
+              <a:t>Physics students would be able to use this application to quickly figure out variable types.</a:t>
+            </a:r>
+            <a:endParaRPr lang="en-US" dirty="0">
+              <a:ea typeface="Tahoma" panose="020B0604030504040204" pitchFamily="34" charset="0"/>
+              <a:cs typeface="Tahoma" panose="020B0604030504040204" pitchFamily="34" charset="0"/>
+            </a:endParaRPr>
           </a:p>
           <a:p>
             <a:endParaRPr lang="en-US" dirty="0"/>
@@ -5162,9 +5180,10 @@
           <a:lstStyle/>
           <a:p>
             <a:r>
-              <a:rPr lang="en-US" dirty="0"/>
-              <a:t>Who will use my invention</a:t>
-            </a:r>
+              <a:rPr lang="en-US" dirty="0" smtClean="0"/>
+              <a:t>Product Backlog</a:t>
+            </a:r>
+            <a:endParaRPr lang="en-US" dirty="0"/>
           </a:p>
         </p:txBody>
       </p:sp>
@@ -5186,7 +5205,7 @@
           <a:blip r:embed="rId2">
             <a:extLst>
               <a:ext uri="{96DAC541-7B7A-43D3-8B79-37D633B846F1}">
-                <asvg:svgBlip xmlns:asvg="http://schemas.microsoft.com/office/drawing/2016/SVG/main" xmlns="" r:embed="rId3"/>
+                <asvg:svgBlip xmlns="" xmlns:asvg="http://schemas.microsoft.com/office/drawing/2016/SVG/main" r:embed="rId3"/>
               </a:ext>
             </a:extLst>
           </a:blip>
@@ -5220,12 +5239,65 @@
             <p:ph idx="1"/>
           </p:nvPr>
         </p:nvSpPr>
-        <p:spPr/>
-        <p:txBody>
-          <a:bodyPr/>
+        <p:spPr>
+          <a:xfrm>
+            <a:off x="1294363" y="1667436"/>
+            <a:ext cx="9603275" cy="4074458"/>
+          </a:xfrm>
+        </p:spPr>
+        <p:txBody>
+          <a:bodyPr>
+            <a:normAutofit/>
+          </a:bodyPr>
           <a:lstStyle/>
           <a:p>
             <a:pPr lvl="0"/>
+            <a:r>
+              <a:rPr lang="en-US" b="1" dirty="0" smtClean="0">
+                <a:solidFill>
+                  <a:srgbClr val="000000"/>
+                </a:solidFill>
+                <a:ea typeface="Tahoma" panose="020B0604030504040204" pitchFamily="34" charset="0"/>
+                <a:cs typeface="Tahoma" panose="020B0604030504040204" pitchFamily="34" charset="0"/>
+              </a:rPr>
+              <a:t>Add recursion for further problem solving</a:t>
+            </a:r>
+          </a:p>
+          <a:p>
+            <a:pPr lvl="1"/>
+            <a:r>
+              <a:rPr lang="en-US" dirty="0" smtClean="0">
+                <a:solidFill>
+                  <a:srgbClr val="000000"/>
+                </a:solidFill>
+                <a:ea typeface="Tahoma" panose="020B0604030504040204" pitchFamily="34" charset="0"/>
+                <a:cs typeface="Tahoma" panose="020B0604030504040204" pitchFamily="34" charset="0"/>
+              </a:rPr>
+              <a:t>“ I’d like the calculator to take in the known inputs and be able to use those to solve for the other variables until all variables are known.”</a:t>
+            </a:r>
+            <a:endParaRPr lang="en-US" dirty="0">
+              <a:solidFill>
+                <a:srgbClr val="000000"/>
+              </a:solidFill>
+              <a:ea typeface="Tahoma" panose="020B0604030504040204" pitchFamily="34" charset="0"/>
+              <a:cs typeface="Tahoma" panose="020B0604030504040204" pitchFamily="34" charset="0"/>
+            </a:endParaRPr>
+          </a:p>
+          <a:p>
+            <a:pPr lvl="0"/>
+            <a:r>
+              <a:rPr lang="en-US" b="1" dirty="0" smtClean="0">
+                <a:solidFill>
+                  <a:srgbClr val="000000"/>
+                </a:solidFill>
+                <a:ea typeface="Tahoma" panose="020B0604030504040204" pitchFamily="34" charset="0"/>
+                <a:cs typeface="Tahoma" panose="020B0604030504040204" pitchFamily="34" charset="0"/>
+              </a:rPr>
+              <a:t>Add unit conversion</a:t>
+            </a:r>
+          </a:p>
+          <a:p>
+            <a:pPr lvl="1"/>
             <a:r>
               <a:rPr lang="en-US" dirty="0">
                 <a:solidFill>
@@ -5234,11 +5306,89 @@
                 <a:ea typeface="Tahoma" panose="020B0604030504040204" pitchFamily="34" charset="0"/>
                 <a:cs typeface="Tahoma" panose="020B0604030504040204" pitchFamily="34" charset="0"/>
               </a:rPr>
-              <a:t>Who benefits from this invention? Why?</a:t>
+              <a:t>“ I only know how many miles traveled, but would like it converted to meters instead</a:t>
+            </a:r>
+            <a:r>
+              <a:rPr lang="en-US" dirty="0" smtClean="0">
+                <a:solidFill>
+                  <a:srgbClr val="000000"/>
+                </a:solidFill>
+                <a:ea typeface="Tahoma" panose="020B0604030504040204" pitchFamily="34" charset="0"/>
+                <a:cs typeface="Tahoma" panose="020B0604030504040204" pitchFamily="34" charset="0"/>
+              </a:rPr>
+              <a:t>.”</a:t>
             </a:r>
           </a:p>
           <a:p>
             <a:pPr lvl="0"/>
+            <a:r>
+              <a:rPr lang="en-US" b="1" dirty="0" smtClean="0">
+                <a:solidFill>
+                  <a:srgbClr val="000000"/>
+                </a:solidFill>
+                <a:ea typeface="Tahoma" panose="020B0604030504040204" pitchFamily="34" charset="0"/>
+                <a:cs typeface="Tahoma" panose="020B0604030504040204" pitchFamily="34" charset="0"/>
+              </a:rPr>
+              <a:t>Implement full GUI with multiple formulas/variables and unit dropdown</a:t>
+            </a:r>
+          </a:p>
+          <a:p>
+            <a:pPr lvl="1"/>
+            <a:r>
+              <a:rPr lang="en-US" dirty="0" smtClean="0">
+                <a:solidFill>
+                  <a:srgbClr val="000000"/>
+                </a:solidFill>
+                <a:ea typeface="Tahoma" panose="020B0604030504040204" pitchFamily="34" charset="0"/>
+                <a:cs typeface="Tahoma" panose="020B0604030504040204" pitchFamily="34" charset="0"/>
+              </a:rPr>
+              <a:t>"</a:t>
+            </a:r>
+            <a:r>
+              <a:rPr lang="en-US" dirty="0">
+                <a:solidFill>
+                  <a:srgbClr val="000000"/>
+                </a:solidFill>
+                <a:ea typeface="Tahoma" panose="020B0604030504040204" pitchFamily="34" charset="0"/>
+                <a:cs typeface="Tahoma" panose="020B0604030504040204" pitchFamily="34" charset="0"/>
+              </a:rPr>
+              <a:t>As a physics </a:t>
+            </a:r>
+            <a:r>
+              <a:rPr lang="en-US" dirty="0" smtClean="0">
+                <a:solidFill>
+                  <a:srgbClr val="000000"/>
+                </a:solidFill>
+                <a:ea typeface="Tahoma" panose="020B0604030504040204" pitchFamily="34" charset="0"/>
+                <a:cs typeface="Tahoma" panose="020B0604030504040204" pitchFamily="34" charset="0"/>
+              </a:rPr>
+              <a:t>student, I would want to be able to have a longer range of variables to type in and choose what formula/unit to use.“</a:t>
+            </a:r>
+          </a:p>
+          <a:p>
+            <a:pPr lvl="1"/>
+            <a:endParaRPr lang="en-US" dirty="0">
+              <a:solidFill>
+                <a:srgbClr val="000000"/>
+              </a:solidFill>
+              <a:ea typeface="Tahoma" panose="020B0604030504040204" pitchFamily="34" charset="0"/>
+              <a:cs typeface="Tahoma" panose="020B0604030504040204" pitchFamily="34" charset="0"/>
+            </a:endParaRPr>
+          </a:p>
+          <a:p>
+            <a:pPr marL="457200" lvl="1" indent="0">
+              <a:buNone/>
+            </a:pPr>
+            <a:endParaRPr lang="en-US" dirty="0" smtClean="0">
+              <a:solidFill>
+                <a:srgbClr val="000000"/>
+              </a:solidFill>
+              <a:ea typeface="Tahoma" panose="020B0604030504040204" pitchFamily="34" charset="0"/>
+              <a:cs typeface="Tahoma" panose="020B0604030504040204" pitchFamily="34" charset="0"/>
+            </a:endParaRPr>
+          </a:p>
+          <a:p>
+            <a:pPr lvl="1"/>
             <a:endParaRPr lang="en-US" dirty="0">
               <a:solidFill>
                 <a:srgbClr val="000000"/>
@@ -5306,9 +5456,10 @@
           <a:lstStyle/>
           <a:p>
             <a:r>
-              <a:rPr lang="en-US" dirty="0"/>
-              <a:t>Invention Materials</a:t>
-            </a:r>
+              <a:rPr lang="en-US" dirty="0" smtClean="0"/>
+              <a:t>Schedule</a:t>
+            </a:r>
+            <a:endParaRPr lang="en-US" dirty="0"/>
           </a:p>
         </p:txBody>
       </p:sp>
@@ -5330,7 +5481,7 @@
           <a:blip r:embed="rId2">
             <a:extLst>
               <a:ext uri="{96DAC541-7B7A-43D3-8B79-37D633B846F1}">
-                <asvg:svgBlip xmlns:asvg="http://schemas.microsoft.com/office/drawing/2016/SVG/main" xmlns="" r:embed="rId3"/>
+                <asvg:svgBlip xmlns="" xmlns:asvg="http://schemas.microsoft.com/office/drawing/2016/SVG/main" r:embed="rId3"/>
               </a:ext>
             </a:extLst>
           </a:blip>
@@ -5364,26 +5515,83 @@
             <p:ph idx="1"/>
           </p:nvPr>
         </p:nvSpPr>
-        <p:spPr/>
-        <p:txBody>
-          <a:bodyPr/>
+        <p:spPr>
+          <a:xfrm>
+            <a:off x="280770" y="1652661"/>
+            <a:ext cx="9603275" cy="3739610"/>
+          </a:xfrm>
+        </p:spPr>
+        <p:txBody>
+          <a:bodyPr>
+            <a:normAutofit fontScale="85000" lnSpcReduction="10000"/>
+          </a:bodyPr>
           <a:lstStyle/>
           <a:p>
             <a:pPr lvl="0"/>
             <a:r>
-              <a:rPr lang="en-US" dirty="0"/>
-              <a:t>Materials used for final invention build</a:t>
+              <a:rPr lang="en-US" b="1" dirty="0" smtClean="0"/>
+              <a:t>Finish Simple 3 variable calculator with basic GUI</a:t>
             </a:r>
           </a:p>
           <a:p>
             <a:pPr lvl="1"/>
             <a:r>
-              <a:rPr lang="en-US" dirty="0"/>
-              <a:t>Why did you choose those materials?</a:t>
-            </a:r>
+              <a:rPr lang="en-US" dirty="0" smtClean="0"/>
+              <a:t>At least have a simple formula that can be solved for an variable if given at least 2 out of the 3 variables.</a:t>
+            </a:r>
+          </a:p>
+          <a:p>
+            <a:pPr lvl="1"/>
+            <a:r>
+              <a:rPr lang="en-US" u="sng" dirty="0" smtClean="0"/>
+              <a:t>5/23/2019</a:t>
+            </a:r>
+            <a:endParaRPr lang="en-US" u="sng" dirty="0"/>
           </a:p>
           <a:p>
             <a:pPr lvl="0"/>
+            <a:r>
+              <a:rPr lang="en-US" b="1" dirty="0" smtClean="0"/>
+              <a:t>Create recursion method to solve for list of formulas</a:t>
+            </a:r>
+          </a:p>
+          <a:p>
+            <a:pPr lvl="1"/>
+            <a:r>
+              <a:rPr lang="en-US" dirty="0" smtClean="0"/>
+              <a:t>Have the calculator working enough to be able to solve for a lot more variables using recursion.</a:t>
+            </a:r>
+          </a:p>
+          <a:p>
+            <a:pPr lvl="1"/>
+            <a:r>
+              <a:rPr lang="en-US" u="sng" dirty="0" smtClean="0"/>
+              <a:t>TBD</a:t>
+            </a:r>
+          </a:p>
+          <a:p>
+            <a:pPr lvl="0"/>
+            <a:r>
+              <a:rPr lang="en-US" b="1" dirty="0" smtClean="0"/>
+              <a:t>Implement full calculator with GUI</a:t>
+            </a:r>
+          </a:p>
+          <a:p>
+            <a:pPr lvl="1"/>
+            <a:r>
+              <a:rPr lang="en-US" dirty="0" smtClean="0"/>
+              <a:t>Have the final calculator work with a GUI that can take in multiple inputs, and change variables.</a:t>
+            </a:r>
+          </a:p>
+          <a:p>
+            <a:pPr lvl="1"/>
+            <a:r>
+              <a:rPr lang="en-US" u="sng" dirty="0" smtClean="0"/>
+              <a:t>TBD</a:t>
+            </a:r>
+          </a:p>
+          <a:p>
+            <a:pPr lvl="1"/>
             <a:endParaRPr lang="en-US" dirty="0"/>
           </a:p>
         </p:txBody>
@@ -5420,24 +5628,18 @@
       </p:grpSpPr>
       <p:sp>
         <p:nvSpPr>
-          <p:cNvPr id="2" name="Title 1">
-            <a:extLst>
-              <a:ext uri="{FF2B5EF4-FFF2-40B4-BE49-F238E27FC236}">
-                <a16:creationId xmlns:a16="http://schemas.microsoft.com/office/drawing/2014/main" id="{5A29E978-9605-417C-951F-53F4926CFF1A}"/>
-              </a:ext>
-            </a:extLst>
-          </p:cNvPr>
-          <p:cNvSpPr>
-            <a:spLocks noGrp="1"/>
-          </p:cNvSpPr>
-          <p:nvPr>
-            <p:ph type="title"/>
+          <p:cNvPr id="2" name="Content Placeholder 1"/>
+          <p:cNvSpPr>
+            <a:spLocks noGrp="1"/>
+          </p:cNvSpPr>
+          <p:nvPr>
+            <p:ph idx="1"/>
           </p:nvPr>
         </p:nvSpPr>
         <p:spPr>
           <a:xfrm>
-            <a:off x="1290909" y="798974"/>
-            <a:ext cx="9610182" cy="601226"/>
+            <a:off x="1294363" y="2015732"/>
+            <a:ext cx="9603275" cy="4183362"/>
           </a:xfrm>
         </p:spPr>
         <p:txBody>
@@ -5445,366 +5647,119 @@
           <a:lstStyle/>
           <a:p>
             <a:r>
+              <a:rPr lang="en-US" dirty="0" smtClean="0"/>
+              <a:t>How we wanted to divide the sprints up</a:t>
+            </a:r>
+          </a:p>
+          <a:p>
+            <a:pPr lvl="1"/>
+            <a:r>
+              <a:rPr lang="en-US" dirty="0" smtClean="0"/>
+              <a:t>We decided to have:</a:t>
+            </a:r>
+          </a:p>
+          <a:p>
+            <a:pPr lvl="2"/>
+            <a:r>
+              <a:rPr lang="en-US" dirty="0" smtClean="0"/>
+              <a:t>Sprint 1: Initial calculation</a:t>
+            </a:r>
+          </a:p>
+          <a:p>
+            <a:pPr lvl="2"/>
+            <a:r>
+              <a:rPr lang="en-US" dirty="0" smtClean="0"/>
+              <a:t>Sprint 2: implementing recursion</a:t>
+            </a:r>
+          </a:p>
+          <a:p>
+            <a:pPr lvl="2"/>
+            <a:r>
+              <a:rPr lang="en-US" dirty="0" smtClean="0"/>
+              <a:t>Sprint 3: integrating it with GUI</a:t>
+            </a:r>
+          </a:p>
+          <a:p>
+            <a:r>
+              <a:rPr lang="en-US" dirty="0" smtClean="0"/>
+              <a:t>How we were going to collaborate </a:t>
+            </a:r>
+          </a:p>
+          <a:p>
+            <a:pPr lvl="1"/>
+            <a:r>
+              <a:rPr lang="en-US" dirty="0" smtClean="0"/>
+              <a:t>We are now using GitHub.</a:t>
+            </a:r>
+          </a:p>
+          <a:p>
+            <a:r>
+              <a:rPr lang="en-US" dirty="0" smtClean="0"/>
+              <a:t>What formulas we wanted to use, and how detailed they were going to be</a:t>
+            </a:r>
+          </a:p>
+          <a:p>
+            <a:pPr lvl="1"/>
+            <a:r>
+              <a:rPr lang="en-US" dirty="0" smtClean="0"/>
+              <a:t>Initial </a:t>
+            </a:r>
+            <a:r>
               <a:rPr lang="en-US" dirty="0"/>
-              <a:t>Invention design process</a:t>
-            </a:r>
-          </a:p>
-        </p:txBody>
-      </p:sp>
-      <p:pic>
-        <p:nvPicPr>
-          <p:cNvPr id="7" name="Graphic 6" descr="Gears icon">
-            <a:extLst>
-              <a:ext uri="{FF2B5EF4-FFF2-40B4-BE49-F238E27FC236}">
-                <a16:creationId xmlns:a16="http://schemas.microsoft.com/office/drawing/2014/main" id="{DA9595F8-50AF-4C85-9BC5-B52646E113FB}"/>
-              </a:ext>
-            </a:extLst>
-          </p:cNvPr>
-          <p:cNvPicPr>
-            <a:picLocks noChangeAspect="1"/>
-          </p:cNvPicPr>
-          <p:nvPr/>
-        </p:nvPicPr>
-        <p:blipFill>
-          <a:blip r:embed="rId2">
-            <a:extLst>
-              <a:ext uri="{96DAC541-7B7A-43D3-8B79-37D633B846F1}">
-                <asvg:svgBlip xmlns:asvg="http://schemas.microsoft.com/office/drawing/2016/SVG/main" xmlns="" r:embed="rId3"/>
-              </a:ext>
-            </a:extLst>
-          </a:blip>
-          <a:stretch>
-            <a:fillRect/>
-          </a:stretch>
-        </p:blipFill>
+              <a:t>formula will be a=∆</a:t>
+            </a:r>
+            <a:r>
+              <a:rPr lang="en-US" dirty="0" smtClean="0"/>
+              <a:t>v/t, but for sprint 2 we made a list of ones that are going to be used. </a:t>
+            </a:r>
+            <a:r>
+              <a:rPr lang="en-US" dirty="0">
+                <a:hlinkClick r:id="rId2"/>
+              </a:rPr>
+              <a:t>https://trello.com/b/oECrWylc/physics-calculation-cruncher</a:t>
+            </a:r>
+            <a:endParaRPr lang="en-US" dirty="0" smtClean="0"/>
+          </a:p>
+          <a:p>
+            <a:endParaRPr lang="en-US" dirty="0" smtClean="0"/>
+          </a:p>
+          <a:p>
+            <a:endParaRPr lang="en-US" dirty="0"/>
+          </a:p>
+        </p:txBody>
+      </p:sp>
+      <p:sp>
+        <p:nvSpPr>
+          <p:cNvPr id="3" name="Title 2"/>
+          <p:cNvSpPr>
+            <a:spLocks noGrp="1"/>
+          </p:cNvSpPr>
+          <p:nvPr>
+            <p:ph type="title"/>
+          </p:nvPr>
+        </p:nvSpPr>
         <p:spPr>
           <a:xfrm>
-            <a:off x="9916904" y="243287"/>
-            <a:ext cx="1122450" cy="1122450"/>
-          </a:xfrm>
-          <a:prstGeom prst="rect">
-            <a:avLst/>
-          </a:prstGeom>
+            <a:off x="1294363" y="804518"/>
+            <a:ext cx="9603275" cy="1049235"/>
+          </a:xfrm>
         </p:spPr>
-      </p:pic>
-      <p:sp>
-        <p:nvSpPr>
-          <p:cNvPr id="4" name="Text Placeholder 3">
-            <a:extLst>
-              <a:ext uri="{FF2B5EF4-FFF2-40B4-BE49-F238E27FC236}">
-                <a16:creationId xmlns:a16="http://schemas.microsoft.com/office/drawing/2014/main" id="{4986B87E-83DC-455A-94FE-389658903147}"/>
-              </a:ext>
-            </a:extLst>
-          </p:cNvPr>
-          <p:cNvSpPr>
-            <a:spLocks noGrp="1"/>
-          </p:cNvSpPr>
-          <p:nvPr>
-            <p:ph type="body" sz="half" idx="2"/>
-          </p:nvPr>
-        </p:nvSpPr>
-        <p:spPr/>
         <p:txBody>
           <a:bodyPr/>
           <a:lstStyle/>
           <a:p>
-            <a:pPr marL="285750" indent="-285750">
-              <a:buFont typeface="Arial" panose="020B0604020202020204" pitchFamily="34" charset="0"/>
-              <a:buChar char="•"/>
-            </a:pPr>
-            <a:r>
-              <a:rPr lang="en-US" dirty="0"/>
-              <a:t>Talk about the design process</a:t>
-            </a:r>
-          </a:p>
-          <a:p>
-            <a:pPr marL="742950" lvl="1" indent="-285750">
-              <a:buFont typeface="Arial" panose="020B0604020202020204" pitchFamily="34" charset="0"/>
-              <a:buChar char="•"/>
-            </a:pPr>
-            <a:r>
-              <a:rPr lang="en-US" dirty="0"/>
-              <a:t>Did your first build work, or did you have to change your ideas? Why?</a:t>
-            </a:r>
-          </a:p>
-          <a:p>
-            <a:pPr marL="742950" lvl="1" indent="-285750">
-              <a:buFont typeface="Arial" panose="020B0604020202020204" pitchFamily="34" charset="0"/>
-              <a:buChar char="•"/>
-            </a:pPr>
-            <a:r>
-              <a:rPr lang="en-US" dirty="0"/>
-              <a:t>Did you have to change the materials you used as you tested your invention? Why?</a:t>
-            </a:r>
-          </a:p>
-          <a:p>
+            <a:r>
+              <a:rPr lang="en-US" dirty="0" smtClean="0"/>
+              <a:t>Challenges</a:t>
+            </a:r>
             <a:endParaRPr lang="en-US" dirty="0"/>
-          </a:p>
-          <a:p>
-            <a:endParaRPr lang="en-US" dirty="0"/>
-          </a:p>
-        </p:txBody>
-      </p:sp>
-      <p:pic>
-        <p:nvPicPr>
-          <p:cNvPr id="11" name="Content Placeholder 10" descr="hand writing out design plans">
-            <a:extLst>
-              <a:ext uri="{FF2B5EF4-FFF2-40B4-BE49-F238E27FC236}">
-                <a16:creationId xmlns:a16="http://schemas.microsoft.com/office/drawing/2014/main" id="{411EC077-041A-4D95-85EB-050BCDCD9071}"/>
-              </a:ext>
-            </a:extLst>
-          </p:cNvPr>
-          <p:cNvPicPr>
-            <a:picLocks noGrp="1" noChangeAspect="1"/>
-          </p:cNvPicPr>
-          <p:nvPr>
-            <p:ph idx="1"/>
-          </p:nvPr>
-        </p:nvPicPr>
-        <p:blipFill>
-          <a:blip r:embed="rId4" cstate="screen">
-            <a:extLst>
-              <a:ext uri="{28A0092B-C50C-407E-A947-70E740481C1C}">
-                <a14:useLocalDpi xmlns:a14="http://schemas.microsoft.com/office/drawing/2010/main"/>
-              </a:ext>
-            </a:extLst>
-          </a:blip>
-          <a:stretch>
-            <a:fillRect/>
-          </a:stretch>
-        </p:blipFill>
-        <p:spPr>
-          <a:xfrm>
-            <a:off x="5119291" y="1646238"/>
-            <a:ext cx="5760243" cy="3840162"/>
-          </a:xfrm>
-        </p:spPr>
-      </p:pic>
-      <p:sp>
-        <p:nvSpPr>
-          <p:cNvPr id="5" name="Content Placeholder 4">
-            <a:extLst>
-              <a:ext uri="{FF2B5EF4-FFF2-40B4-BE49-F238E27FC236}">
-                <a16:creationId xmlns:a16="http://schemas.microsoft.com/office/drawing/2014/main" id="{C024C14A-E496-4FF0-8939-7E31F6B95C48}"/>
-              </a:ext>
-            </a:extLst>
-          </p:cNvPr>
-          <p:cNvSpPr txBox="1">
-            <a:spLocks/>
-          </p:cNvSpPr>
-          <p:nvPr/>
-        </p:nvSpPr>
-        <p:spPr>
-          <a:xfrm>
-            <a:off x="5048983" y="5510822"/>
-            <a:ext cx="5901227" cy="778485"/>
-          </a:xfrm>
-          <a:prstGeom prst="rect">
-            <a:avLst/>
-          </a:prstGeom>
-        </p:spPr>
-        <p:txBody>
-          <a:bodyPr vert="horz" lIns="91440" tIns="45720" rIns="91440" bIns="45720" rtlCol="0">
-            <a:normAutofit/>
-          </a:bodyPr>
-          <a:lstStyle>
-            <a:lvl1pPr marL="0" indent="0" algn="l" defTabSz="914400" rtl="0" eaLnBrk="1" latinLnBrk="0" hangingPunct="1">
-              <a:lnSpc>
-                <a:spcPct val="90000"/>
-              </a:lnSpc>
-              <a:spcBef>
-                <a:spcPts val="1000"/>
-              </a:spcBef>
-              <a:buFont typeface="Arial" panose="020B0604020202020204" pitchFamily="34" charset="0"/>
-              <a:buNone/>
-              <a:defRPr sz="1600" kern="1200">
-                <a:solidFill>
-                  <a:schemeClr val="tx1"/>
-                </a:solidFill>
-                <a:latin typeface="+mn-lt"/>
-                <a:ea typeface="+mn-ea"/>
-                <a:cs typeface="+mn-cs"/>
-              </a:defRPr>
-            </a:lvl1pPr>
-            <a:lvl2pPr marL="457200" indent="0" algn="l" defTabSz="914400" rtl="0" eaLnBrk="1" latinLnBrk="0" hangingPunct="1">
-              <a:lnSpc>
-                <a:spcPct val="90000"/>
-              </a:lnSpc>
-              <a:spcBef>
-                <a:spcPts val="500"/>
-              </a:spcBef>
-              <a:buFont typeface="Arial" panose="020B0604020202020204" pitchFamily="34" charset="0"/>
-              <a:buNone/>
-              <a:defRPr sz="1400" kern="1200">
-                <a:solidFill>
-                  <a:schemeClr val="tx1"/>
-                </a:solidFill>
-                <a:latin typeface="+mn-lt"/>
-                <a:ea typeface="+mn-ea"/>
-                <a:cs typeface="+mn-cs"/>
-              </a:defRPr>
-            </a:lvl2pPr>
-            <a:lvl3pPr marL="914400" indent="0" algn="l" defTabSz="914400" rtl="0" eaLnBrk="1" latinLnBrk="0" hangingPunct="1">
-              <a:lnSpc>
-                <a:spcPct val="90000"/>
-              </a:lnSpc>
-              <a:spcBef>
-                <a:spcPts val="500"/>
-              </a:spcBef>
-              <a:buFont typeface="Arial" panose="020B0604020202020204" pitchFamily="34" charset="0"/>
-              <a:buNone/>
-              <a:defRPr sz="1200" kern="1200">
-                <a:solidFill>
-                  <a:schemeClr val="tx1"/>
-                </a:solidFill>
-                <a:latin typeface="+mn-lt"/>
-                <a:ea typeface="+mn-ea"/>
-                <a:cs typeface="+mn-cs"/>
-              </a:defRPr>
-            </a:lvl3pPr>
-            <a:lvl4pPr marL="1371600" indent="0" algn="l" defTabSz="914400" rtl="0" eaLnBrk="1" latinLnBrk="0" hangingPunct="1">
-              <a:lnSpc>
-                <a:spcPct val="90000"/>
-              </a:lnSpc>
-              <a:spcBef>
-                <a:spcPts val="500"/>
-              </a:spcBef>
-              <a:buFont typeface="Arial" panose="020B0604020202020204" pitchFamily="34" charset="0"/>
-              <a:buNone/>
-              <a:defRPr sz="1000" kern="1200">
-                <a:solidFill>
-                  <a:schemeClr val="tx1"/>
-                </a:solidFill>
-                <a:latin typeface="+mn-lt"/>
-                <a:ea typeface="+mn-ea"/>
-                <a:cs typeface="+mn-cs"/>
-              </a:defRPr>
-            </a:lvl4pPr>
-            <a:lvl5pPr marL="1828800" indent="0" algn="l" defTabSz="914400" rtl="0" eaLnBrk="1" latinLnBrk="0" hangingPunct="1">
-              <a:lnSpc>
-                <a:spcPct val="90000"/>
-              </a:lnSpc>
-              <a:spcBef>
-                <a:spcPts val="500"/>
-              </a:spcBef>
-              <a:buFont typeface="Arial" panose="020B0604020202020204" pitchFamily="34" charset="0"/>
-              <a:buNone/>
-              <a:defRPr sz="1000" kern="1200">
-                <a:solidFill>
-                  <a:schemeClr val="tx1"/>
-                </a:solidFill>
-                <a:latin typeface="+mn-lt"/>
-                <a:ea typeface="+mn-ea"/>
-                <a:cs typeface="+mn-cs"/>
-              </a:defRPr>
-            </a:lvl5pPr>
-            <a:lvl6pPr marL="2286000" indent="0" algn="l" defTabSz="914400" rtl="0" eaLnBrk="1" latinLnBrk="0" hangingPunct="1">
-              <a:lnSpc>
-                <a:spcPct val="90000"/>
-              </a:lnSpc>
-              <a:spcBef>
-                <a:spcPts val="500"/>
-              </a:spcBef>
-              <a:buFont typeface="Arial" panose="020B0604020202020204" pitchFamily="34" charset="0"/>
-              <a:buNone/>
-              <a:defRPr sz="1000" kern="1200">
-                <a:solidFill>
-                  <a:schemeClr val="tx1"/>
-                </a:solidFill>
-                <a:latin typeface="+mn-lt"/>
-                <a:ea typeface="+mn-ea"/>
-                <a:cs typeface="+mn-cs"/>
-              </a:defRPr>
-            </a:lvl6pPr>
-            <a:lvl7pPr marL="2743200" indent="0" algn="l" defTabSz="914400" rtl="0" eaLnBrk="1" latinLnBrk="0" hangingPunct="1">
-              <a:lnSpc>
-                <a:spcPct val="90000"/>
-              </a:lnSpc>
-              <a:spcBef>
-                <a:spcPts val="500"/>
-              </a:spcBef>
-              <a:buFont typeface="Arial" panose="020B0604020202020204" pitchFamily="34" charset="0"/>
-              <a:buNone/>
-              <a:defRPr sz="1000" kern="1200">
-                <a:solidFill>
-                  <a:schemeClr val="tx1"/>
-                </a:solidFill>
-                <a:latin typeface="+mn-lt"/>
-                <a:ea typeface="+mn-ea"/>
-                <a:cs typeface="+mn-cs"/>
-              </a:defRPr>
-            </a:lvl7pPr>
-            <a:lvl8pPr marL="3200400" indent="0" algn="l" defTabSz="914400" rtl="0" eaLnBrk="1" latinLnBrk="0" hangingPunct="1">
-              <a:lnSpc>
-                <a:spcPct val="90000"/>
-              </a:lnSpc>
-              <a:spcBef>
-                <a:spcPts val="500"/>
-              </a:spcBef>
-              <a:buFont typeface="Arial" panose="020B0604020202020204" pitchFamily="34" charset="0"/>
-              <a:buNone/>
-              <a:defRPr sz="1000" kern="1200">
-                <a:solidFill>
-                  <a:schemeClr val="tx1"/>
-                </a:solidFill>
-                <a:latin typeface="+mn-lt"/>
-                <a:ea typeface="+mn-ea"/>
-                <a:cs typeface="+mn-cs"/>
-              </a:defRPr>
-            </a:lvl8pPr>
-            <a:lvl9pPr marL="3657600" indent="0" algn="l" defTabSz="914400" rtl="0" eaLnBrk="1" latinLnBrk="0" hangingPunct="1">
-              <a:lnSpc>
-                <a:spcPct val="90000"/>
-              </a:lnSpc>
-              <a:spcBef>
-                <a:spcPts val="500"/>
-              </a:spcBef>
-              <a:buFont typeface="Arial" panose="020B0604020202020204" pitchFamily="34" charset="0"/>
-              <a:buNone/>
-              <a:defRPr sz="1000" kern="1200">
-                <a:solidFill>
-                  <a:schemeClr val="tx1"/>
-                </a:solidFill>
-                <a:latin typeface="+mn-lt"/>
-                <a:ea typeface="+mn-ea"/>
-                <a:cs typeface="+mn-cs"/>
-              </a:defRPr>
-            </a:lvl9pPr>
-          </a:lstStyle>
-          <a:p>
-            <a:pPr algn="ctr">
-              <a:spcBef>
-                <a:spcPts val="600"/>
-              </a:spcBef>
-            </a:pPr>
-            <a:r>
-              <a:rPr lang="en-US" sz="1400" dirty="0">
-                <a:ea typeface="Tahoma" panose="020B0604030504040204" pitchFamily="34" charset="0"/>
-                <a:cs typeface="Tahoma" panose="020B0604030504040204" pitchFamily="34" charset="0"/>
-              </a:rPr>
-              <a:t>&lt;Insert pictures or drawings of your invention design/building process&gt;</a:t>
-            </a:r>
-          </a:p>
-          <a:p>
-            <a:pPr algn="ctr">
-              <a:spcBef>
-                <a:spcPts val="600"/>
-              </a:spcBef>
-            </a:pPr>
-            <a:r>
-              <a:rPr lang="en-US" sz="1400" dirty="0">
-                <a:ea typeface="Tahoma" panose="020B0604030504040204" pitchFamily="34" charset="0"/>
-                <a:cs typeface="Tahoma" panose="020B0604030504040204" pitchFamily="34" charset="0"/>
-              </a:rPr>
-              <a:t>*you can insert a new slide for these pictures/drawings if you need to!</a:t>
-            </a:r>
           </a:p>
         </p:txBody>
       </p:sp>
     </p:spTree>
     <p:extLst>
       <p:ext uri="{BB962C8B-B14F-4D97-AF65-F5344CB8AC3E}">
-        <p14:creationId xmlns:p14="http://schemas.microsoft.com/office/powerpoint/2010/main" val="4164098364"/>
+        <p14:creationId xmlns:p14="http://schemas.microsoft.com/office/powerpoint/2010/main" val="4268984810"/>
       </p:ext>
     </p:extLst>
   </p:cSld>
@@ -5833,46 +5788,66 @@
       </p:grpSpPr>
       <p:sp>
         <p:nvSpPr>
-          <p:cNvPr id="2" name="Title 1">
-            <a:extLst>
-              <a:ext uri="{FF2B5EF4-FFF2-40B4-BE49-F238E27FC236}">
-                <a16:creationId xmlns:a16="http://schemas.microsoft.com/office/drawing/2014/main" id="{4DFF222A-0050-42E6-8C3E-86E3C365C411}"/>
-              </a:ext>
-            </a:extLst>
-          </p:cNvPr>
-          <p:cNvSpPr>
-            <a:spLocks noGrp="1"/>
-          </p:cNvSpPr>
-          <p:nvPr>
-            <p:ph type="title"/>
+          <p:cNvPr id="2" name="Content Placeholder 1"/>
+          <p:cNvSpPr>
+            <a:spLocks noGrp="1"/>
+          </p:cNvSpPr>
+          <p:nvPr>
+            <p:ph idx="1"/>
           </p:nvPr>
         </p:nvSpPr>
         <p:spPr>
           <a:xfrm>
-            <a:off x="1290909" y="798974"/>
-            <a:ext cx="9610182" cy="601226"/>
+            <a:off x="144173" y="1703693"/>
+            <a:ext cx="9603275" cy="3450613"/>
           </a:xfrm>
         </p:spPr>
         <p:txBody>
           <a:bodyPr/>
           <a:lstStyle/>
           <a:p>
-            <a:r>
-              <a:rPr lang="en-US" dirty="0"/>
-              <a:t>My Invention in Use!</a:t>
-            </a:r>
+            <a:pPr marL="0" indent="0">
+              <a:buNone/>
+            </a:pPr>
+            <a:r>
+              <a:rPr lang="en-US" dirty="0" smtClean="0"/>
+              <a:t>This is how we envision the calculator looking like</a:t>
+            </a:r>
+          </a:p>
+          <a:p>
+            <a:pPr marL="0" indent="0">
+              <a:buNone/>
+            </a:pPr>
+            <a:endParaRPr lang="en-US" dirty="0"/>
+          </a:p>
+        </p:txBody>
+      </p:sp>
+      <p:sp>
+        <p:nvSpPr>
+          <p:cNvPr id="3" name="Title 2"/>
+          <p:cNvSpPr>
+            <a:spLocks noGrp="1"/>
+          </p:cNvSpPr>
+          <p:nvPr>
+            <p:ph type="title"/>
+          </p:nvPr>
+        </p:nvSpPr>
+        <p:spPr/>
+        <p:txBody>
+          <a:bodyPr/>
+          <a:lstStyle/>
+          <a:p>
+            <a:r>
+              <a:rPr lang="en-US" dirty="0" smtClean="0"/>
+              <a:t>Example</a:t>
+            </a:r>
+            <a:endParaRPr lang="en-US" dirty="0"/>
           </a:p>
         </p:txBody>
       </p:sp>
       <p:pic>
         <p:nvPicPr>
-          <p:cNvPr id="10" name="Graphic 9" descr="Star icon">
-            <a:extLst>
-              <a:ext uri="{FF2B5EF4-FFF2-40B4-BE49-F238E27FC236}">
-                <a16:creationId xmlns:a16="http://schemas.microsoft.com/office/drawing/2014/main" id="{F76D2371-447B-414B-9273-61F2CA39ACA2}"/>
-              </a:ext>
-            </a:extLst>
-          </p:cNvPr>
+          <p:cNvPr id="4" name="Picture 3"/>
           <p:cNvPicPr>
             <a:picLocks noChangeAspect="1"/>
           </p:cNvPicPr>
@@ -5881,8 +5856,8 @@
         <p:blipFill>
           <a:blip r:embed="rId2">
             <a:extLst>
-              <a:ext uri="{96DAC541-7B7A-43D3-8B79-37D633B846F1}">
-                <asvg:svgBlip xmlns:asvg="http://schemas.microsoft.com/office/drawing/2016/SVG/main" xmlns="" r:embed="rId3"/>
+              <a:ext uri="{28A0092B-C50C-407E-A947-70E740481C1C}">
+                <a14:useLocalDpi xmlns:a14="http://schemas.microsoft.com/office/drawing/2010/main" val="0"/>
               </a:ext>
             </a:extLst>
           </a:blip>
@@ -5892,399 +5867,18 @@
         </p:blipFill>
         <p:spPr>
           <a:xfrm>
-            <a:off x="9897703" y="280289"/>
-            <a:ext cx="1044000" cy="1044000"/>
+            <a:off x="6854662" y="0"/>
+            <a:ext cx="5337338" cy="6858000"/>
           </a:xfrm>
           <a:prstGeom prst="rect">
             <a:avLst/>
           </a:prstGeom>
         </p:spPr>
       </p:pic>
-      <p:sp>
-        <p:nvSpPr>
-          <p:cNvPr id="9" name="Text Placeholder 8">
-            <a:extLst>
-              <a:ext uri="{FF2B5EF4-FFF2-40B4-BE49-F238E27FC236}">
-                <a16:creationId xmlns:a16="http://schemas.microsoft.com/office/drawing/2014/main" id="{1BD5DDD4-B30F-43B5-9BA0-190CC29E9665}"/>
-              </a:ext>
-            </a:extLst>
-          </p:cNvPr>
-          <p:cNvSpPr>
-            <a:spLocks noGrp="1"/>
-          </p:cNvSpPr>
-          <p:nvPr>
-            <p:ph type="body" sz="quarter" idx="16"/>
-          </p:nvPr>
-        </p:nvSpPr>
-        <p:spPr/>
-        <p:txBody>
-          <a:bodyPr/>
-          <a:lstStyle/>
-          <a:p>
-            <a:pPr marL="0" indent="0">
-              <a:buNone/>
-            </a:pPr>
-            <a:r>
-              <a:rPr lang="en-US" dirty="0"/>
-              <a:t>Talk about how people reacted to your invention</a:t>
-            </a:r>
-          </a:p>
-          <a:p>
-            <a:pPr lvl="1"/>
-            <a:r>
-              <a:rPr lang="en-US" dirty="0"/>
-              <a:t>Did it solve the problem/need you identified?</a:t>
-            </a:r>
-          </a:p>
-          <a:p>
-            <a:pPr lvl="1"/>
-            <a:r>
-              <a:rPr lang="en-US" dirty="0"/>
-              <a:t>Did it work as planned? Did it help whom it needed to help?</a:t>
-            </a:r>
-          </a:p>
-          <a:p>
-            <a:pPr lvl="2"/>
-            <a:endParaRPr lang="en-US" dirty="0"/>
-          </a:p>
-          <a:p>
-            <a:endParaRPr lang="en-US" dirty="0"/>
-          </a:p>
-        </p:txBody>
-      </p:sp>
-      <p:pic>
-        <p:nvPicPr>
-          <p:cNvPr id="12" name="Content Placeholder 11" descr="girl testing science project">
-            <a:extLst>
-              <a:ext uri="{FF2B5EF4-FFF2-40B4-BE49-F238E27FC236}">
-                <a16:creationId xmlns:a16="http://schemas.microsoft.com/office/drawing/2014/main" id="{687E2450-8A1E-4D26-849A-27E0C773356D}"/>
-              </a:ext>
-            </a:extLst>
-          </p:cNvPr>
-          <p:cNvPicPr>
-            <a:picLocks noGrp="1" noChangeAspect="1"/>
-          </p:cNvPicPr>
-          <p:nvPr>
-            <p:ph idx="1"/>
-          </p:nvPr>
-        </p:nvPicPr>
-        <p:blipFill>
-          <a:blip r:embed="rId4" cstate="screen">
-            <a:extLst>
-              <a:ext uri="{28A0092B-C50C-407E-A947-70E740481C1C}">
-                <a14:useLocalDpi xmlns:a14="http://schemas.microsoft.com/office/drawing/2010/main"/>
-              </a:ext>
-            </a:extLst>
-          </a:blip>
-          <a:stretch>
-            <a:fillRect/>
-          </a:stretch>
-        </p:blipFill>
-        <p:spPr>
-          <a:xfrm>
-            <a:off x="1383839" y="3128963"/>
-            <a:ext cx="2856834" cy="1906587"/>
-          </a:xfrm>
-        </p:spPr>
-      </p:pic>
-      <p:sp>
-        <p:nvSpPr>
-          <p:cNvPr id="8" name="Text Placeholder 7">
-            <a:extLst>
-              <a:ext uri="{FF2B5EF4-FFF2-40B4-BE49-F238E27FC236}">
-                <a16:creationId xmlns:a16="http://schemas.microsoft.com/office/drawing/2014/main" id="{477A6E10-A1AB-44F7-B196-12B4EE7B21E6}"/>
-              </a:ext>
-            </a:extLst>
-          </p:cNvPr>
-          <p:cNvSpPr>
-            <a:spLocks noGrp="1"/>
-          </p:cNvSpPr>
-          <p:nvPr>
-            <p:ph type="body" sz="half" idx="15"/>
-          </p:nvPr>
-        </p:nvSpPr>
-        <p:spPr/>
-        <p:txBody>
-          <a:bodyPr>
-            <a:normAutofit fontScale="55000" lnSpcReduction="20000"/>
-          </a:bodyPr>
-          <a:lstStyle/>
-          <a:p>
-            <a:r>
-              <a:rPr lang="en-US" dirty="0"/>
-              <a:t>&lt;Insert pictures or drawings of your invention being used, with a description entered here&gt;</a:t>
-            </a:r>
-          </a:p>
-          <a:p>
-            <a:r>
-              <a:rPr lang="en-US" dirty="0"/>
-              <a:t>*you can insert a new slide for these pictures/drawings if you need to!</a:t>
-            </a:r>
-          </a:p>
-          <a:p>
-            <a:endParaRPr lang="en-US" dirty="0"/>
-          </a:p>
-        </p:txBody>
-      </p:sp>
-      <p:pic>
-        <p:nvPicPr>
-          <p:cNvPr id="14" name="Content Placeholder 13" descr="kid playing with solar system on sticks">
-            <a:extLst>
-              <a:ext uri="{FF2B5EF4-FFF2-40B4-BE49-F238E27FC236}">
-                <a16:creationId xmlns:a16="http://schemas.microsoft.com/office/drawing/2014/main" id="{8E520986-BC14-4C72-BA30-8EC5CE656F9B}"/>
-              </a:ext>
-            </a:extLst>
-          </p:cNvPr>
-          <p:cNvPicPr>
-            <a:picLocks noGrp="1" noChangeAspect="1"/>
-          </p:cNvPicPr>
-          <p:nvPr>
-            <p:ph idx="12"/>
-          </p:nvPr>
-        </p:nvPicPr>
-        <p:blipFill>
-          <a:blip r:embed="rId5" cstate="screen">
-            <a:extLst>
-              <a:ext uri="{28A0092B-C50C-407E-A947-70E740481C1C}">
-                <a14:useLocalDpi xmlns:a14="http://schemas.microsoft.com/office/drawing/2010/main"/>
-              </a:ext>
-            </a:extLst>
-          </a:blip>
-          <a:stretch>
-            <a:fillRect/>
-          </a:stretch>
-        </p:blipFill>
-        <p:spPr>
-          <a:xfrm>
-            <a:off x="4685839" y="3128963"/>
-            <a:ext cx="2856834" cy="1906587"/>
-          </a:xfrm>
-        </p:spPr>
-      </p:pic>
-      <p:sp>
-        <p:nvSpPr>
-          <p:cNvPr id="7" name="Text Placeholder 6">
-            <a:extLst>
-              <a:ext uri="{FF2B5EF4-FFF2-40B4-BE49-F238E27FC236}">
-                <a16:creationId xmlns:a16="http://schemas.microsoft.com/office/drawing/2014/main" id="{B15ED6EF-4F9A-41A9-B336-BFC6782228DF}"/>
-              </a:ext>
-            </a:extLst>
-          </p:cNvPr>
-          <p:cNvSpPr>
-            <a:spLocks noGrp="1"/>
-          </p:cNvSpPr>
-          <p:nvPr>
-            <p:ph type="body" sz="half" idx="14"/>
-          </p:nvPr>
-        </p:nvSpPr>
-        <p:spPr/>
-        <p:txBody>
-          <a:bodyPr>
-            <a:normAutofit fontScale="55000" lnSpcReduction="20000"/>
-          </a:bodyPr>
-          <a:lstStyle/>
-          <a:p>
-            <a:r>
-              <a:rPr lang="en-US" dirty="0"/>
-              <a:t>&lt;Insert pictures or drawings of your invention being used, with a description entered here&gt;</a:t>
-            </a:r>
-          </a:p>
-          <a:p>
-            <a:r>
-              <a:rPr lang="en-US" dirty="0"/>
-              <a:t>*you can insert a new slide for these pictures/drawings if you need to!</a:t>
-            </a:r>
-          </a:p>
-          <a:p>
-            <a:endParaRPr lang="en-US" dirty="0"/>
-          </a:p>
-        </p:txBody>
-      </p:sp>
-      <p:pic>
-        <p:nvPicPr>
-          <p:cNvPr id="16" name="Content Placeholder 15" descr="girl playing with molecule model">
-            <a:extLst>
-              <a:ext uri="{FF2B5EF4-FFF2-40B4-BE49-F238E27FC236}">
-                <a16:creationId xmlns:a16="http://schemas.microsoft.com/office/drawing/2014/main" id="{A0609731-E84C-4760-AD5E-8E288693AE20}"/>
-              </a:ext>
-            </a:extLst>
-          </p:cNvPr>
-          <p:cNvPicPr>
-            <a:picLocks noGrp="1" noChangeAspect="1"/>
-          </p:cNvPicPr>
-          <p:nvPr>
-            <p:ph idx="13"/>
-          </p:nvPr>
-        </p:nvPicPr>
-        <p:blipFill>
-          <a:blip r:embed="rId6" cstate="screen">
-            <a:extLst>
-              <a:ext uri="{28A0092B-C50C-407E-A947-70E740481C1C}">
-                <a14:useLocalDpi xmlns:a14="http://schemas.microsoft.com/office/drawing/2010/main"/>
-              </a:ext>
-            </a:extLst>
-          </a:blip>
-          <a:stretch>
-            <a:fillRect/>
-          </a:stretch>
-        </p:blipFill>
-        <p:spPr>
-          <a:xfrm>
-            <a:off x="7957677" y="3128963"/>
-            <a:ext cx="2856834" cy="1906587"/>
-          </a:xfrm>
-        </p:spPr>
-      </p:pic>
-      <p:sp>
-        <p:nvSpPr>
-          <p:cNvPr id="4" name="Text Placeholder 3">
-            <a:extLst>
-              <a:ext uri="{FF2B5EF4-FFF2-40B4-BE49-F238E27FC236}">
-                <a16:creationId xmlns:a16="http://schemas.microsoft.com/office/drawing/2014/main" id="{4196946F-82A2-4DBD-98DD-DB5D7C5DF011}"/>
-              </a:ext>
-            </a:extLst>
-          </p:cNvPr>
-          <p:cNvSpPr>
-            <a:spLocks noGrp="1"/>
-          </p:cNvSpPr>
-          <p:nvPr>
-            <p:ph type="body" sz="half" idx="2"/>
-          </p:nvPr>
-        </p:nvSpPr>
-        <p:spPr/>
-        <p:txBody>
-          <a:bodyPr>
-            <a:normAutofit fontScale="55000" lnSpcReduction="20000"/>
-          </a:bodyPr>
-          <a:lstStyle/>
-          <a:p>
-            <a:r>
-              <a:rPr lang="en-US" dirty="0"/>
-              <a:t>&lt;Insert pictures or drawings of your invention being used, with a description entered here&gt;</a:t>
-            </a:r>
-          </a:p>
-          <a:p>
-            <a:r>
-              <a:rPr lang="en-US" dirty="0"/>
-              <a:t>*you can insert a new slide for these pictures/drawings if you need to!</a:t>
-            </a:r>
-          </a:p>
-          <a:p>
-            <a:endParaRPr lang="en-US" dirty="0"/>
-          </a:p>
-        </p:txBody>
-      </p:sp>
     </p:spTree>
     <p:extLst>
       <p:ext uri="{BB962C8B-B14F-4D97-AF65-F5344CB8AC3E}">
-        <p14:creationId xmlns:p14="http://schemas.microsoft.com/office/powerpoint/2010/main" val="2412294028"/>
-      </p:ext>
-    </p:extLst>
-  </p:cSld>
-  <p:clrMapOvr>
-    <a:masterClrMapping/>
-  </p:clrMapOvr>
-</p:sld>
-</file>
-
-<file path=ppt/slides/slide7.xml><?xml version="1.0" encoding="utf-8"?>
-<p:sld xmlns:a="http://schemas.openxmlformats.org/drawingml/2006/main" xmlns:r="http://schemas.openxmlformats.org/officeDocument/2006/relationships" xmlns:p="http://schemas.openxmlformats.org/presentationml/2006/main">
-  <p:cSld>
-    <p:spTree>
-      <p:nvGrpSpPr>
-        <p:cNvPr id="1" name=""/>
-        <p:cNvGrpSpPr/>
-        <p:nvPr/>
-      </p:nvGrpSpPr>
-      <p:grpSpPr>
-        <a:xfrm>
-          <a:off x="0" y="0"/>
-          <a:ext cx="0" cy="0"/>
-          <a:chOff x="0" y="0"/>
-          <a:chExt cx="0" cy="0"/>
-        </a:xfrm>
-      </p:grpSpPr>
-      <p:sp>
-        <p:nvSpPr>
-          <p:cNvPr id="4" name="Title 3">
-            <a:extLst>
-              <a:ext uri="{FF2B5EF4-FFF2-40B4-BE49-F238E27FC236}">
-                <a16:creationId xmlns:a16="http://schemas.microsoft.com/office/drawing/2014/main" id="{E98DCA46-603B-4178-8707-30E192CE6B8D}"/>
-              </a:ext>
-            </a:extLst>
-          </p:cNvPr>
-          <p:cNvSpPr>
-            <a:spLocks noGrp="1"/>
-          </p:cNvSpPr>
-          <p:nvPr>
-            <p:ph type="title"/>
-          </p:nvPr>
-        </p:nvSpPr>
-        <p:spPr/>
-        <p:txBody>
-          <a:bodyPr/>
-          <a:lstStyle/>
-          <a:p>
-            <a:r>
-              <a:rPr lang="en-US" dirty="0"/>
-              <a:t>Customize this Template</a:t>
-            </a:r>
-          </a:p>
-        </p:txBody>
-      </p:sp>
-      <p:sp>
-        <p:nvSpPr>
-          <p:cNvPr id="2" name="Text Placeholder 1">
-            <a:extLst>
-              <a:ext uri="{FF2B5EF4-FFF2-40B4-BE49-F238E27FC236}">
-                <a16:creationId xmlns:a16="http://schemas.microsoft.com/office/drawing/2014/main" id="{0BDCED45-CA91-495F-8329-49163D40BC0B}"/>
-              </a:ext>
-            </a:extLst>
-          </p:cNvPr>
-          <p:cNvSpPr>
-            <a:spLocks noGrp="1"/>
-          </p:cNvSpPr>
-          <p:nvPr>
-            <p:ph type="body" sz="quarter" idx="12"/>
-          </p:nvPr>
-        </p:nvSpPr>
-        <p:spPr/>
-        <p:txBody>
-          <a:bodyPr/>
-          <a:lstStyle/>
-          <a:p>
-            <a:pPr>
-              <a:lnSpc>
-                <a:spcPct val="100000"/>
-              </a:lnSpc>
-            </a:pPr>
-            <a:r>
-              <a:rPr lang="en-US" u="sng" dirty="0">
-                <a:solidFill>
-                  <a:srgbClr val="0070C0"/>
-                </a:solidFill>
-                <a:hlinkClick r:id="rId2">
-                  <a:extLst>
-                    <a:ext uri="{A12FA001-AC4F-418D-AE19-62706E023703}">
-                      <ahyp:hlinkClr xmlns:ahyp="http://schemas.microsoft.com/office/drawing/2018/hyperlinkcolor" xmlns="" val="tx"/>
-                    </a:ext>
-                  </a:extLst>
-                </a:hlinkClick>
-              </a:rPr>
-              <a:t>Template Editing Instructions and Feedback</a:t>
-            </a:r>
-            <a:endParaRPr lang="en-US" u="sng" dirty="0">
-              <a:solidFill>
-                <a:srgbClr val="0070C0"/>
-              </a:solidFill>
-            </a:endParaRPr>
-          </a:p>
-        </p:txBody>
-      </p:sp>
-    </p:spTree>
-    <p:extLst>
-      <p:ext uri="{BB962C8B-B14F-4D97-AF65-F5344CB8AC3E}">
-        <p14:creationId xmlns:p14="http://schemas.microsoft.com/office/powerpoint/2010/main" val="2394598200"/>
+        <p14:creationId xmlns:p14="http://schemas.microsoft.com/office/powerpoint/2010/main" val="2319959188"/>
       </p:ext>
     </p:extLst>
   </p:cSld>
@@ -7130,23 +6724,6 @@
 </file>
 
 <file path=customXml/item1.xml><?xml version="1.0" encoding="utf-8"?>
-<p:properties xmlns:p="http://schemas.microsoft.com/office/2006/metadata/properties" xmlns:xsi="http://www.w3.org/2001/XMLSchema-instance" xmlns:pc="http://schemas.microsoft.com/office/infopath/2007/PartnerControls">
-  <documentManagement>
-    <MediaServiceKeyPoints xmlns="71af3243-3dd4-4a8d-8c0d-dd76da1f02a5" xsi:nil="true"/>
-  </documentManagement>
-</p:properties>
-</file>
-
-<file path=customXml/item2.xml><?xml version="1.0" encoding="utf-8"?>
-<?mso-contentType ?>
-<FormTemplates xmlns="http://schemas.microsoft.com/sharepoint/v3/contenttype/forms">
-  <Display>DocumentLibraryForm</Display>
-  <Edit>DocumentLibraryForm</Edit>
-  <New>DocumentLibraryForm</New>
-</FormTemplates>
-</file>
-
-<file path=customXml/item3.xml><?xml version="1.0" encoding="utf-8"?>
 <ct:contentTypeSchema xmlns:ct="http://schemas.microsoft.com/office/2006/metadata/contentType" xmlns:ma="http://schemas.microsoft.com/office/2006/metadata/properties/metaAttributes" ct:_="" ma:_="" ma:contentTypeName="Document" ma:contentTypeID="0x01010079F111ED35F8CC479449609E8A0923A6" ma:contentTypeVersion="11" ma:contentTypeDescription="Create a new document." ma:contentTypeScope="" ma:versionID="96291512c1ee715ab617f4c07df79fc1">
   <xsd:schema xmlns:xsd="http://www.w3.org/2001/XMLSchema" xmlns:xs="http://www.w3.org/2001/XMLSchema" xmlns:p="http://schemas.microsoft.com/office/2006/metadata/properties" xmlns:ns2="71af3243-3dd4-4a8d-8c0d-dd76da1f02a5" xmlns:ns3="16c05727-aa75-4e4a-9b5f-8a80a1165891" targetNamespace="http://schemas.microsoft.com/office/2006/metadata/properties" ma:root="true" ma:fieldsID="8256c27c40ca5c40ce1cf6c44f0205df" ns2:_="" ns3:_="">
     <xsd:import namespace="71af3243-3dd4-4a8d-8c0d-dd76da1f02a5"/>
@@ -7357,32 +6934,24 @@
 </ct:contentTypeSchema>
 </file>
 
-<file path=customXml/itemProps1.xml><?xml version="1.0" encoding="utf-8"?>
-<ds:datastoreItem xmlns:ds="http://schemas.openxmlformats.org/officeDocument/2006/customXml" ds:itemID="{FA1DB373-C1A1-4924-9AF2-F04368201509}">
-  <ds:schemaRefs>
-    <ds:schemaRef ds:uri="http://schemas.microsoft.com/office/2006/metadata/properties"/>
-    <ds:schemaRef ds:uri="http://purl.org/dc/dcmitype/"/>
-    <ds:schemaRef ds:uri="http://purl.org/dc/terms/"/>
-    <ds:schemaRef ds:uri="http://schemas.openxmlformats.org/package/2006/metadata/core-properties"/>
-    <ds:schemaRef ds:uri="http://schemas.microsoft.com/office/2006/documentManagement/types"/>
-    <ds:schemaRef ds:uri="http://schemas.microsoft.com/office/infopath/2007/PartnerControls"/>
-    <ds:schemaRef ds:uri="http://purl.org/dc/elements/1.1/"/>
-    <ds:schemaRef ds:uri="16c05727-aa75-4e4a-9b5f-8a80a1165891"/>
-    <ds:schemaRef ds:uri="71af3243-3dd4-4a8d-8c0d-dd76da1f02a5"/>
-    <ds:schemaRef ds:uri="http://www.w3.org/XML/1998/namespace"/>
-  </ds:schemaRefs>
-</ds:datastoreItem>
+<file path=customXml/item2.xml><?xml version="1.0" encoding="utf-8"?>
+<?mso-contentType ?>
+<FormTemplates xmlns="http://schemas.microsoft.com/sharepoint/v3/contenttype/forms">
+  <Display>DocumentLibraryForm</Display>
+  <Edit>DocumentLibraryForm</Edit>
+  <New>DocumentLibraryForm</New>
+</FormTemplates>
 </file>
 
-<file path=customXml/itemProps2.xml><?xml version="1.0" encoding="utf-8"?>
-<ds:datastoreItem xmlns:ds="http://schemas.openxmlformats.org/officeDocument/2006/customXml" ds:itemID="{459C8665-7E41-4E8E-957E-307F6F826AF4}">
-  <ds:schemaRefs>
-    <ds:schemaRef ds:uri="http://schemas.microsoft.com/sharepoint/v3/contenttype/forms"/>
-  </ds:schemaRefs>
-</ds:datastoreItem>
+<file path=customXml/item3.xml><?xml version="1.0" encoding="utf-8"?>
+<p:properties xmlns:p="http://schemas.microsoft.com/office/2006/metadata/properties" xmlns:xsi="http://www.w3.org/2001/XMLSchema-instance" xmlns:pc="http://schemas.microsoft.com/office/infopath/2007/PartnerControls">
+  <documentManagement>
+    <MediaServiceKeyPoints xmlns="71af3243-3dd4-4a8d-8c0d-dd76da1f02a5" xsi:nil="true"/>
+  </documentManagement>
+</p:properties>
 </file>
 
-<file path=customXml/itemProps3.xml><?xml version="1.0" encoding="utf-8"?>
+<file path=customXml/itemProps1.xml><?xml version="1.0" encoding="utf-8"?>
 <ds:datastoreItem xmlns:ds="http://schemas.openxmlformats.org/officeDocument/2006/customXml" ds:itemID="{CFA01955-FFEB-4169-B0BF-D790410D62EE}">
   <ds:schemaRefs>
     <ds:schemaRef ds:uri="http://schemas.microsoft.com/office/2006/metadata/contentType"/>
@@ -7399,4 +6968,29 @@
     <ds:schemaRef ds:uri="http://schemas.microsoft.com/internal/obd"/>
   </ds:schemaRefs>
 </ds:datastoreItem>
+</file>
+
+<file path=customXml/itemProps2.xml><?xml version="1.0" encoding="utf-8"?>
+<ds:datastoreItem xmlns:ds="http://schemas.openxmlformats.org/officeDocument/2006/customXml" ds:itemID="{459C8665-7E41-4E8E-957E-307F6F826AF4}">
+  <ds:schemaRefs>
+    <ds:schemaRef ds:uri="http://schemas.microsoft.com/sharepoint/v3/contenttype/forms"/>
+  </ds:schemaRefs>
+</ds:datastoreItem>
+</file>
+
+<file path=customXml/itemProps3.xml><?xml version="1.0" encoding="utf-8"?>
+<ds:datastoreItem xmlns:ds="http://schemas.openxmlformats.org/officeDocument/2006/customXml" ds:itemID="{FA1DB373-C1A1-4924-9AF2-F04368201509}">
+  <ds:schemaRefs>
+    <ds:schemaRef ds:uri="http://schemas.microsoft.com/office/2006/metadata/properties"/>
+    <ds:schemaRef ds:uri="http://purl.org/dc/dcmitype/"/>
+    <ds:schemaRef ds:uri="http://purl.org/dc/terms/"/>
+    <ds:schemaRef ds:uri="http://schemas.openxmlformats.org/package/2006/metadata/core-properties"/>
+    <ds:schemaRef ds:uri="http://schemas.microsoft.com/office/2006/documentManagement/types"/>
+    <ds:schemaRef ds:uri="http://schemas.microsoft.com/office/infopath/2007/PartnerControls"/>
+    <ds:schemaRef ds:uri="http://purl.org/dc/elements/1.1/"/>
+    <ds:schemaRef ds:uri="16c05727-aa75-4e4a-9b5f-8a80a1165891"/>
+    <ds:schemaRef ds:uri="71af3243-3dd4-4a8d-8c0d-dd76da1f02a5"/>
+    <ds:schemaRef ds:uri="http://www.w3.org/XML/1998/namespace"/>
+  </ds:schemaRefs>
+</ds:datastoreItem>
 </file>